--- a/Synhronous motor/TPEL-Journal-version-2/Mathematical Modelling/New Microsoft PowerPoint Presentation.pptx
+++ b/Synhronous motor/TPEL-Journal-version-2/Mathematical Modelling/New Microsoft PowerPoint Presentation.pptx
@@ -259,7 +259,7 @@
           <a:p>
             <a:fld id="{CD02A9B9-B264-43D5-A7D3-7290D8CFAF19}" type="datetimeFigureOut">
               <a:rPr lang="en-US" smtClean="0"/>
-              <a:t>11/1/2022</a:t>
+              <a:t>11/6/2022</a:t>
             </a:fld>
             <a:endParaRPr lang="en-US"/>
           </a:p>
@@ -457,7 +457,7 @@
           <a:p>
             <a:fld id="{CD02A9B9-B264-43D5-A7D3-7290D8CFAF19}" type="datetimeFigureOut">
               <a:rPr lang="en-US" smtClean="0"/>
-              <a:t>11/1/2022</a:t>
+              <a:t>11/6/2022</a:t>
             </a:fld>
             <a:endParaRPr lang="en-US"/>
           </a:p>
@@ -665,7 +665,7 @@
           <a:p>
             <a:fld id="{CD02A9B9-B264-43D5-A7D3-7290D8CFAF19}" type="datetimeFigureOut">
               <a:rPr lang="en-US" smtClean="0"/>
-              <a:t>11/1/2022</a:t>
+              <a:t>11/6/2022</a:t>
             </a:fld>
             <a:endParaRPr lang="en-US"/>
           </a:p>
@@ -863,7 +863,7 @@
           <a:p>
             <a:fld id="{CD02A9B9-B264-43D5-A7D3-7290D8CFAF19}" type="datetimeFigureOut">
               <a:rPr lang="en-US" smtClean="0"/>
-              <a:t>11/1/2022</a:t>
+              <a:t>11/6/2022</a:t>
             </a:fld>
             <a:endParaRPr lang="en-US"/>
           </a:p>
@@ -1138,7 +1138,7 @@
           <a:p>
             <a:fld id="{CD02A9B9-B264-43D5-A7D3-7290D8CFAF19}" type="datetimeFigureOut">
               <a:rPr lang="en-US" smtClean="0"/>
-              <a:t>11/1/2022</a:t>
+              <a:t>11/6/2022</a:t>
             </a:fld>
             <a:endParaRPr lang="en-US"/>
           </a:p>
@@ -1403,7 +1403,7 @@
           <a:p>
             <a:fld id="{CD02A9B9-B264-43D5-A7D3-7290D8CFAF19}" type="datetimeFigureOut">
               <a:rPr lang="en-US" smtClean="0"/>
-              <a:t>11/1/2022</a:t>
+              <a:t>11/6/2022</a:t>
             </a:fld>
             <a:endParaRPr lang="en-US"/>
           </a:p>
@@ -1815,7 +1815,7 @@
           <a:p>
             <a:fld id="{CD02A9B9-B264-43D5-A7D3-7290D8CFAF19}" type="datetimeFigureOut">
               <a:rPr lang="en-US" smtClean="0"/>
-              <a:t>11/1/2022</a:t>
+              <a:t>11/6/2022</a:t>
             </a:fld>
             <a:endParaRPr lang="en-US"/>
           </a:p>
@@ -1956,7 +1956,7 @@
           <a:p>
             <a:fld id="{CD02A9B9-B264-43D5-A7D3-7290D8CFAF19}" type="datetimeFigureOut">
               <a:rPr lang="en-US" smtClean="0"/>
-              <a:t>11/1/2022</a:t>
+              <a:t>11/6/2022</a:t>
             </a:fld>
             <a:endParaRPr lang="en-US"/>
           </a:p>
@@ -2069,7 +2069,7 @@
           <a:p>
             <a:fld id="{CD02A9B9-B264-43D5-A7D3-7290D8CFAF19}" type="datetimeFigureOut">
               <a:rPr lang="en-US" smtClean="0"/>
-              <a:t>11/1/2022</a:t>
+              <a:t>11/6/2022</a:t>
             </a:fld>
             <a:endParaRPr lang="en-US"/>
           </a:p>
@@ -2380,7 +2380,7 @@
           <a:p>
             <a:fld id="{CD02A9B9-B264-43D5-A7D3-7290D8CFAF19}" type="datetimeFigureOut">
               <a:rPr lang="en-US" smtClean="0"/>
-              <a:t>11/1/2022</a:t>
+              <a:t>11/6/2022</a:t>
             </a:fld>
             <a:endParaRPr lang="en-US"/>
           </a:p>
@@ -2668,7 +2668,7 @@
           <a:p>
             <a:fld id="{CD02A9B9-B264-43D5-A7D3-7290D8CFAF19}" type="datetimeFigureOut">
               <a:rPr lang="en-US" smtClean="0"/>
-              <a:t>11/1/2022</a:t>
+              <a:t>11/6/2022</a:t>
             </a:fld>
             <a:endParaRPr lang="en-US"/>
           </a:p>
@@ -2909,7 +2909,7 @@
           <a:p>
             <a:fld id="{CD02A9B9-B264-43D5-A7D3-7290D8CFAF19}" type="datetimeFigureOut">
               <a:rPr lang="en-US" smtClean="0"/>
-              <a:t>11/1/2022</a:t>
+              <a:t>11/6/2022</a:t>
             </a:fld>
             <a:endParaRPr lang="en-US"/>
           </a:p>
@@ -4294,8 +4294,8 @@
           </a:fontRef>
         </p:style>
       </p:cxnSp>
-      <mc:AlternateContent xmlns:mc="http://schemas.openxmlformats.org/markup-compatibility/2006">
-        <mc:Choice xmlns:a14="http://schemas.microsoft.com/office/drawing/2010/main" Requires="a14">
+      <mc:AlternateContent xmlns:mc="http://schemas.openxmlformats.org/markup-compatibility/2006" xmlns:a14="http://schemas.microsoft.com/office/drawing/2010/main">
+        <mc:Choice Requires="a14">
           <p:sp>
             <p:nvSpPr>
               <p:cNvPr id="97" name="TextBox 96">
@@ -4428,7 +4428,7 @@
             </p:txBody>
           </p:sp>
         </mc:Choice>
-        <mc:Fallback>
+        <mc:Fallback xmlns="">
           <p:sp>
             <p:nvSpPr>
               <p:cNvPr id="97" name="TextBox 96">
@@ -4616,8 +4616,8 @@
           </a:fontRef>
         </p:style>
       </p:cxnSp>
-      <mc:AlternateContent xmlns:mc="http://schemas.openxmlformats.org/markup-compatibility/2006">
-        <mc:Choice xmlns:a14="http://schemas.microsoft.com/office/drawing/2010/main" Requires="a14">
+      <mc:AlternateContent xmlns:mc="http://schemas.openxmlformats.org/markup-compatibility/2006" xmlns:a14="http://schemas.microsoft.com/office/drawing/2010/main">
+        <mc:Choice Requires="a14">
           <p:sp>
             <p:nvSpPr>
               <p:cNvPr id="117" name="TextBox 116">
@@ -4750,7 +4750,7 @@
             </p:txBody>
           </p:sp>
         </mc:Choice>
-        <mc:Fallback>
+        <mc:Fallback xmlns="">
           <p:sp>
             <p:nvSpPr>
               <p:cNvPr id="117" name="TextBox 116">
@@ -4976,12 +4976,6 @@
                         </m:r>
                       </m:sub>
                     </m:sSub>
-                    <m:r>
-                      <a:rPr lang="en-US" b="0" i="1" smtClean="0">
-                        <a:latin typeface="Cambria Math" panose="02040503050406030204" pitchFamily="18" charset="0"/>
-                      </a:rPr>
-                      <m:t>(</m:t>
-                    </m:r>
                     <m:sSub>
                       <m:sSubPr>
                         <m:ctrlPr>
@@ -5011,7 +5005,7 @@
                 </a14:m>
                 <a:r>
                   <a:rPr lang="en-US" dirty="0"/>
-                  <a:t>) </a:t>
+                  <a:t> </a:t>
                 </a:r>
                 <a:endParaRPr lang="en-US" sz="2000" dirty="0"/>
               </a:p>
@@ -5044,7 +5038,7 @@
               <a:blipFill>
                 <a:blip r:embed="rId11"/>
                 <a:stretch>
-                  <a:fillRect t="-9836" b="-24590"/>
+                  <a:fillRect/>
                 </a:stretch>
               </a:blipFill>
             </p:spPr>
@@ -5108,8 +5102,8 @@
           </a:fontRef>
         </p:style>
       </p:cxnSp>
-      <mc:AlternateContent xmlns:mc="http://schemas.openxmlformats.org/markup-compatibility/2006">
-        <mc:Choice xmlns:a14="http://schemas.microsoft.com/office/drawing/2010/main" Requires="a14">
+      <mc:AlternateContent xmlns:mc="http://schemas.openxmlformats.org/markup-compatibility/2006" xmlns:a14="http://schemas.microsoft.com/office/drawing/2010/main">
+        <mc:Choice Requires="a14">
           <p:sp>
             <p:nvSpPr>
               <p:cNvPr id="42" name="TextBox 41">
@@ -5205,7 +5199,7 @@
             </p:txBody>
           </p:sp>
         </mc:Choice>
-        <mc:Fallback>
+        <mc:Fallback xmlns="">
           <p:sp>
             <p:nvSpPr>
               <p:cNvPr id="42" name="TextBox 41">
@@ -5250,8 +5244,8 @@
           </p:sp>
         </mc:Fallback>
       </mc:AlternateContent>
-      <mc:AlternateContent xmlns:mc="http://schemas.openxmlformats.org/markup-compatibility/2006">
-        <mc:Choice xmlns:a14="http://schemas.microsoft.com/office/drawing/2010/main" Requires="a14">
+      <mc:AlternateContent xmlns:mc="http://schemas.openxmlformats.org/markup-compatibility/2006" xmlns:a14="http://schemas.microsoft.com/office/drawing/2010/main">
+        <mc:Choice Requires="a14">
           <p:sp>
             <p:nvSpPr>
               <p:cNvPr id="58" name="TextBox 57">
@@ -5347,7 +5341,7 @@
             </p:txBody>
           </p:sp>
         </mc:Choice>
-        <mc:Fallback>
+        <mc:Fallback xmlns="">
           <p:sp>
             <p:nvSpPr>
               <p:cNvPr id="58" name="TextBox 57">
